--- a/Documentação/LLD.pptx
+++ b/Documentação/LLD.pptx
@@ -275,7 +275,7 @@
           <a:p>
             <a:fld id="{21A32E1B-B85A-4E6E-9F15-7D367A4EB175}" type="datetimeFigureOut">
               <a:rPr lang="pt-BR" smtClean="0"/>
-              <a:t>17/04/2019</a:t>
+              <a:t>09/05/2019</a:t>
             </a:fld>
             <a:endParaRPr lang="pt-BR"/>
           </a:p>
@@ -445,7 +445,7 @@
           <a:p>
             <a:fld id="{21A32E1B-B85A-4E6E-9F15-7D367A4EB175}" type="datetimeFigureOut">
               <a:rPr lang="pt-BR" smtClean="0"/>
-              <a:t>17/04/2019</a:t>
+              <a:t>09/05/2019</a:t>
             </a:fld>
             <a:endParaRPr lang="pt-BR"/>
           </a:p>
@@ -625,7 +625,7 @@
           <a:p>
             <a:fld id="{21A32E1B-B85A-4E6E-9F15-7D367A4EB175}" type="datetimeFigureOut">
               <a:rPr lang="pt-BR" smtClean="0"/>
-              <a:t>17/04/2019</a:t>
+              <a:t>09/05/2019</a:t>
             </a:fld>
             <a:endParaRPr lang="pt-BR"/>
           </a:p>
@@ -795,7 +795,7 @@
           <a:p>
             <a:fld id="{21A32E1B-B85A-4E6E-9F15-7D367A4EB175}" type="datetimeFigureOut">
               <a:rPr lang="pt-BR" smtClean="0"/>
-              <a:t>17/04/2019</a:t>
+              <a:t>09/05/2019</a:t>
             </a:fld>
             <a:endParaRPr lang="pt-BR"/>
           </a:p>
@@ -1063,7 +1063,7 @@
           <a:p>
             <a:fld id="{21A32E1B-B85A-4E6E-9F15-7D367A4EB175}" type="datetimeFigureOut">
               <a:rPr lang="pt-BR" smtClean="0"/>
-              <a:t>17/04/2019</a:t>
+              <a:t>09/05/2019</a:t>
             </a:fld>
             <a:endParaRPr lang="pt-BR"/>
           </a:p>
@@ -1295,7 +1295,7 @@
           <a:p>
             <a:fld id="{21A32E1B-B85A-4E6E-9F15-7D367A4EB175}" type="datetimeFigureOut">
               <a:rPr lang="pt-BR" smtClean="0"/>
-              <a:t>17/04/2019</a:t>
+              <a:t>09/05/2019</a:t>
             </a:fld>
             <a:endParaRPr lang="pt-BR"/>
           </a:p>
@@ -1654,7 +1654,7 @@
           <a:p>
             <a:fld id="{21A32E1B-B85A-4E6E-9F15-7D367A4EB175}" type="datetimeFigureOut">
               <a:rPr lang="pt-BR" smtClean="0"/>
-              <a:t>17/04/2019</a:t>
+              <a:t>09/05/2019</a:t>
             </a:fld>
             <a:endParaRPr lang="pt-BR"/>
           </a:p>
@@ -1795,7 +1795,7 @@
           <a:p>
             <a:fld id="{21A32E1B-B85A-4E6E-9F15-7D367A4EB175}" type="datetimeFigureOut">
               <a:rPr lang="pt-BR" smtClean="0"/>
-              <a:t>17/04/2019</a:t>
+              <a:t>09/05/2019</a:t>
             </a:fld>
             <a:endParaRPr lang="pt-BR"/>
           </a:p>
@@ -1890,7 +1890,7 @@
           <a:p>
             <a:fld id="{21A32E1B-B85A-4E6E-9F15-7D367A4EB175}" type="datetimeFigureOut">
               <a:rPr lang="pt-BR" smtClean="0"/>
-              <a:t>17/04/2019</a:t>
+              <a:t>09/05/2019</a:t>
             </a:fld>
             <a:endParaRPr lang="pt-BR"/>
           </a:p>
@@ -2247,7 +2247,7 @@
           <a:p>
             <a:fld id="{21A32E1B-B85A-4E6E-9F15-7D367A4EB175}" type="datetimeFigureOut">
               <a:rPr lang="pt-BR" smtClean="0"/>
-              <a:t>17/04/2019</a:t>
+              <a:t>09/05/2019</a:t>
             </a:fld>
             <a:endParaRPr lang="pt-BR"/>
           </a:p>
@@ -2604,7 +2604,7 @@
           <a:p>
             <a:fld id="{21A32E1B-B85A-4E6E-9F15-7D367A4EB175}" type="datetimeFigureOut">
               <a:rPr lang="pt-BR" smtClean="0"/>
-              <a:t>17/04/2019</a:t>
+              <a:t>09/05/2019</a:t>
             </a:fld>
             <a:endParaRPr lang="pt-BR"/>
           </a:p>
@@ -2845,7 +2845,7 @@
           <a:p>
             <a:fld id="{21A32E1B-B85A-4E6E-9F15-7D367A4EB175}" type="datetimeFigureOut">
               <a:rPr lang="pt-BR" smtClean="0"/>
-              <a:t>17/04/2019</a:t>
+              <a:t>09/05/2019</a:t>
             </a:fld>
             <a:endParaRPr lang="pt-BR"/>
           </a:p>
@@ -3332,13 +3332,8 @@
           <a:p>
             <a:r>
               <a:rPr lang="pt-BR" sz="2800" dirty="0"/>
-              <a:t>LLD – Desenho de baixo </a:t>
-            </a:r>
-            <a:r>
-              <a:rPr lang="pt-BR" sz="2800" dirty="0" smtClean="0"/>
-              <a:t>nível</a:t>
-            </a:r>
-            <a:endParaRPr lang="pt-BR" sz="2800" dirty="0"/>
+              <a:t>LLD – Desenho de baixo nível</a:t>
+            </a:r>
           </a:p>
         </p:txBody>
       </p:sp>
@@ -3371,10 +3366,9 @@
           <a:lstStyle/>
           <a:p>
             <a:r>
-              <a:rPr lang="pt-BR" sz="2800" dirty="0" smtClean="0"/>
+              <a:rPr lang="pt-BR" sz="2800" dirty="0"/>
               <a:t>Rede Local</a:t>
             </a:r>
-            <a:endParaRPr lang="pt-BR" sz="2800" dirty="0"/>
           </a:p>
         </p:txBody>
       </p:sp>
@@ -3407,7 +3401,7 @@
           <a:lstStyle/>
           <a:p>
             <a:r>
-              <a:rPr lang="pt-BR" sz="2800" dirty="0" smtClean="0"/>
+              <a:rPr lang="pt-BR" sz="2800" dirty="0"/>
               <a:t>Nuvem</a:t>
             </a:r>
           </a:p>
@@ -4289,11 +4283,11 @@
           <a:lstStyle/>
           <a:p>
             <a:r>
-              <a:rPr lang="pt-BR" dirty="0" smtClean="0"/>
+              <a:rPr lang="pt-BR" dirty="0"/>
               <a:t>Acesso </a:t>
             </a:r>
             <a:r>
-              <a:rPr lang="pt-BR" smtClean="0"/>
+              <a:rPr lang="pt-BR"/>
               <a:t>via 3G,4G,WIFI’</a:t>
             </a:r>
             <a:endParaRPr lang="pt-BR" dirty="0"/>
@@ -4329,10 +4323,9 @@
           <a:lstStyle/>
           <a:p>
             <a:r>
-              <a:rPr lang="pt-BR" sz="1600" dirty="0" smtClean="0"/>
+              <a:rPr lang="pt-BR" sz="1600" dirty="0"/>
               <a:t>Arduino + DHT11</a:t>
             </a:r>
-            <a:endParaRPr lang="pt-BR" sz="1600" dirty="0"/>
           </a:p>
         </p:txBody>
       </p:sp>
@@ -4365,10 +4358,9 @@
           <a:lstStyle/>
           <a:p>
             <a:r>
-              <a:rPr lang="pt-BR" sz="1600" dirty="0" smtClean="0"/>
+              <a:rPr lang="pt-BR" sz="1600" dirty="0"/>
               <a:t>Computador conectado via WIFI</a:t>
             </a:r>
-            <a:endParaRPr lang="pt-BR" sz="1600" dirty="0"/>
           </a:p>
         </p:txBody>
       </p:sp>
@@ -4401,10 +4393,9 @@
           <a:lstStyle/>
           <a:p>
             <a:r>
-              <a:rPr lang="pt-BR" dirty="0" smtClean="0"/>
+              <a:rPr lang="pt-BR" dirty="0"/>
               <a:t>Acesso por diferentes browsers</a:t>
             </a:r>
-            <a:endParaRPr lang="pt-BR" dirty="0"/>
           </a:p>
         </p:txBody>
       </p:sp>
@@ -4437,10 +4428,9 @@
           <a:lstStyle/>
           <a:p>
             <a:r>
-              <a:rPr lang="pt-BR" dirty="0" smtClean="0"/>
+              <a:rPr lang="pt-BR" dirty="0"/>
               <a:t>Servido em Nuvem</a:t>
             </a:r>
-            <a:endParaRPr lang="pt-BR" dirty="0"/>
           </a:p>
         </p:txBody>
       </p:sp>
@@ -4473,10 +4463,9 @@
           <a:lstStyle/>
           <a:p>
             <a:r>
-              <a:rPr lang="pt-BR" dirty="0" smtClean="0"/>
+              <a:rPr lang="pt-BR" dirty="0"/>
               <a:t>Usuário monitorando seu DASHBORD</a:t>
             </a:r>
-            <a:endParaRPr lang="pt-BR" dirty="0"/>
           </a:p>
         </p:txBody>
       </p:sp>
@@ -4509,13 +4498,59 @@
           <a:lstStyle/>
           <a:p>
             <a:r>
-              <a:rPr lang="pt-BR" dirty="0" smtClean="0"/>
+              <a:rPr lang="pt-BR" dirty="0"/>
               <a:t>Aplicação na nuvem</a:t>
             </a:r>
-            <a:endParaRPr lang="pt-BR" dirty="0"/>
-          </a:p>
-        </p:txBody>
-      </p:sp>
+          </a:p>
+        </p:txBody>
+      </p:sp>
+      <p:cxnSp>
+        <p:nvCxnSpPr>
+          <p:cNvPr id="37" name="Conector reto 36">
+            <a:extLst>
+              <a:ext uri="{FF2B5EF4-FFF2-40B4-BE49-F238E27FC236}">
+                <a16:creationId xmlns:a16="http://schemas.microsoft.com/office/drawing/2014/main" id="{5CBCC62F-FE22-43CE-9DCB-39EDFCA58F2A}"/>
+              </a:ext>
+            </a:extLst>
+          </p:cNvPr>
+          <p:cNvCxnSpPr>
+            <a:cxnSpLocks/>
+            <a:stCxn id="9" idx="3"/>
+          </p:cNvCxnSpPr>
+          <p:nvPr/>
+        </p:nvCxnSpPr>
+        <p:spPr>
+          <a:xfrm>
+            <a:off x="1450343" y="2888291"/>
+            <a:ext cx="725511" cy="0"/>
+          </a:xfrm>
+          <a:prstGeom prst="line">
+            <a:avLst/>
+          </a:prstGeom>
+          <a:ln w="38100">
+            <a:solidFill>
+              <a:schemeClr val="bg1">
+                <a:lumMod val="95000"/>
+                <a:lumOff val="5000"/>
+              </a:schemeClr>
+            </a:solidFill>
+          </a:ln>
+        </p:spPr>
+        <p:style>
+          <a:lnRef idx="1">
+            <a:schemeClr val="accent1"/>
+          </a:lnRef>
+          <a:fillRef idx="0">
+            <a:schemeClr val="accent1"/>
+          </a:fillRef>
+          <a:effectRef idx="0">
+            <a:schemeClr val="accent1"/>
+          </a:effectRef>
+          <a:fontRef idx="minor">
+            <a:schemeClr val="tx1"/>
+          </a:fontRef>
+        </p:style>
+      </p:cxnSp>
     </p:spTree>
     <p:extLst>
       <p:ext uri="{BB962C8B-B14F-4D97-AF65-F5344CB8AC3E}">
@@ -4526,13 +4561,6 @@
   <p:clrMapOvr>
     <a:masterClrMapping/>
   </p:clrMapOvr>
-  <p:timing>
-    <p:tnLst>
-      <p:par>
-        <p:cTn id="1" dur="indefinite" restart="never" nodeType="tmRoot"/>
-      </p:par>
-    </p:tnLst>
-  </p:timing>
 </p:sld>
 </file>
 
